--- a/WorkShop/transportationLP.pptx
+++ b/WorkShop/transportationLP.pptx
@@ -24,6 +24,7 @@
     <p:sldId id="282" r:id="rId18"/>
     <p:sldId id="287" r:id="rId19"/>
     <p:sldId id="288" r:id="rId20"/>
+    <p:sldId id="290" r:id="rId21"/>
   </p:sldIdLst>
   <p:sldSz cx="12192000" cy="6858000"/>
   <p:notesSz cx="6858000" cy="9144000"/>
@@ -904,7 +905,7 @@
           <a:p>
             <a:fld id="{E43BB60C-1E4C-409B-9F3C-3394162A592F}" type="datetimeFigureOut">
               <a:rPr lang="en-US" smtClean="0"/>
-              <a:t>11/1/2021</a:t>
+              <a:t>12/5/2021</a:t>
             </a:fld>
             <a:endParaRPr lang="en-US"/>
           </a:p>
@@ -1102,7 +1103,7 @@
           <a:p>
             <a:fld id="{E43BB60C-1E4C-409B-9F3C-3394162A592F}" type="datetimeFigureOut">
               <a:rPr lang="en-US" smtClean="0"/>
-              <a:t>11/1/2021</a:t>
+              <a:t>12/5/2021</a:t>
             </a:fld>
             <a:endParaRPr lang="en-US"/>
           </a:p>
@@ -1310,7 +1311,7 @@
           <a:p>
             <a:fld id="{E43BB60C-1E4C-409B-9F3C-3394162A592F}" type="datetimeFigureOut">
               <a:rPr lang="en-US" smtClean="0"/>
-              <a:t>11/1/2021</a:t>
+              <a:t>12/5/2021</a:t>
             </a:fld>
             <a:endParaRPr lang="en-US"/>
           </a:p>
@@ -1508,7 +1509,7 @@
           <a:p>
             <a:fld id="{E43BB60C-1E4C-409B-9F3C-3394162A592F}" type="datetimeFigureOut">
               <a:rPr lang="en-US" smtClean="0"/>
-              <a:t>11/1/2021</a:t>
+              <a:t>12/5/2021</a:t>
             </a:fld>
             <a:endParaRPr lang="en-US"/>
           </a:p>
@@ -1783,7 +1784,7 @@
           <a:p>
             <a:fld id="{E43BB60C-1E4C-409B-9F3C-3394162A592F}" type="datetimeFigureOut">
               <a:rPr lang="en-US" smtClean="0"/>
-              <a:t>11/1/2021</a:t>
+              <a:t>12/5/2021</a:t>
             </a:fld>
             <a:endParaRPr lang="en-US"/>
           </a:p>
@@ -2048,7 +2049,7 @@
           <a:p>
             <a:fld id="{E43BB60C-1E4C-409B-9F3C-3394162A592F}" type="datetimeFigureOut">
               <a:rPr lang="en-US" smtClean="0"/>
-              <a:t>11/1/2021</a:t>
+              <a:t>12/5/2021</a:t>
             </a:fld>
             <a:endParaRPr lang="en-US"/>
           </a:p>
@@ -2460,7 +2461,7 @@
           <a:p>
             <a:fld id="{E43BB60C-1E4C-409B-9F3C-3394162A592F}" type="datetimeFigureOut">
               <a:rPr lang="en-US" smtClean="0"/>
-              <a:t>11/1/2021</a:t>
+              <a:t>12/5/2021</a:t>
             </a:fld>
             <a:endParaRPr lang="en-US"/>
           </a:p>
@@ -2601,7 +2602,7 @@
           <a:p>
             <a:fld id="{E43BB60C-1E4C-409B-9F3C-3394162A592F}" type="datetimeFigureOut">
               <a:rPr lang="en-US" smtClean="0"/>
-              <a:t>11/1/2021</a:t>
+              <a:t>12/5/2021</a:t>
             </a:fld>
             <a:endParaRPr lang="en-US"/>
           </a:p>
@@ -2714,7 +2715,7 @@
           <a:p>
             <a:fld id="{E43BB60C-1E4C-409B-9F3C-3394162A592F}" type="datetimeFigureOut">
               <a:rPr lang="en-US" smtClean="0"/>
-              <a:t>11/1/2021</a:t>
+              <a:t>12/5/2021</a:t>
             </a:fld>
             <a:endParaRPr lang="en-US"/>
           </a:p>
@@ -3025,7 +3026,7 @@
           <a:p>
             <a:fld id="{E43BB60C-1E4C-409B-9F3C-3394162A592F}" type="datetimeFigureOut">
               <a:rPr lang="en-US" smtClean="0"/>
-              <a:t>11/1/2021</a:t>
+              <a:t>12/5/2021</a:t>
             </a:fld>
             <a:endParaRPr lang="en-US"/>
           </a:p>
@@ -3313,7 +3314,7 @@
           <a:p>
             <a:fld id="{E43BB60C-1E4C-409B-9F3C-3394162A592F}" type="datetimeFigureOut">
               <a:rPr lang="en-US" smtClean="0"/>
-              <a:t>11/1/2021</a:t>
+              <a:t>12/5/2021</a:t>
             </a:fld>
             <a:endParaRPr lang="en-US"/>
           </a:p>
@@ -3554,7 +3555,7 @@
           <a:p>
             <a:fld id="{E43BB60C-1E4C-409B-9F3C-3394162A592F}" type="datetimeFigureOut">
               <a:rPr lang="en-US" smtClean="0"/>
-              <a:t>11/1/2021</a:t>
+              <a:t>12/5/2021</a:t>
             </a:fld>
             <a:endParaRPr lang="en-US"/>
           </a:p>
@@ -5759,12 +5760,12 @@
           <a:graphicData uri="http://schemas.openxmlformats.org/presentationml/2006/ole">
             <mc:AlternateContent xmlns:mc="http://schemas.openxmlformats.org/markup-compatibility/2006">
               <mc:Choice xmlns:v="urn:schemas-microsoft-com:vml" Requires="v">
-                <p:oleObj name="Equation" r:id="rId2" imgW="2019240" imgH="1295280" progId="Equation.DSMT4">
+                <p:oleObj spid="_x0000_s3075" name="Equation" r:id="rId3" imgW="2019240" imgH="1295280" progId="Equation.DSMT4">
                   <p:embed/>
                 </p:oleObj>
               </mc:Choice>
               <mc:Fallback>
-                <p:oleObj name="Equation" r:id="rId2" imgW="2019240" imgH="1295280" progId="Equation.DSMT4">
+                <p:oleObj name="Equation" r:id="rId3" imgW="2019240" imgH="1295280" progId="Equation.DSMT4">
                   <p:embed/>
                   <p:pic>
                     <p:nvPicPr>
@@ -5779,7 +5780,7 @@
                       <p:nvPr/>
                     </p:nvPicPr>
                     <p:blipFill>
-                      <a:blip r:embed="rId3"/>
+                      <a:blip r:embed="rId4"/>
                       <a:stretch>
                         <a:fillRect/>
                       </a:stretch>
@@ -9403,12 +9404,12 @@
           <a:graphicData uri="http://schemas.openxmlformats.org/presentationml/2006/ole">
             <mc:AlternateContent xmlns:mc="http://schemas.openxmlformats.org/markup-compatibility/2006">
               <mc:Choice xmlns:v="urn:schemas-microsoft-com:vml" Requires="v">
-                <p:oleObj name="Equation" r:id="rId2" imgW="2323800" imgH="1295280" progId="Equation.DSMT4">
+                <p:oleObj spid="_x0000_s4100" name="Equation" r:id="rId3" imgW="2323800" imgH="1295280" progId="Equation.DSMT4">
                   <p:embed/>
                 </p:oleObj>
               </mc:Choice>
               <mc:Fallback>
-                <p:oleObj name="Equation" r:id="rId2" imgW="2323800" imgH="1295280" progId="Equation.DSMT4">
+                <p:oleObj name="Equation" r:id="rId3" imgW="2323800" imgH="1295280" progId="Equation.DSMT4">
                   <p:embed/>
                   <p:pic>
                     <p:nvPicPr>
@@ -9423,7 +9424,7 @@
                       <p:nvPr/>
                     </p:nvPicPr>
                     <p:blipFill>
-                      <a:blip r:embed="rId3"/>
+                      <a:blip r:embed="rId4"/>
                       <a:stretch>
                         <a:fillRect/>
                       </a:stretch>
@@ -9515,12 +9516,12 @@
           <a:graphicData uri="http://schemas.openxmlformats.org/presentationml/2006/ole">
             <mc:AlternateContent xmlns:mc="http://schemas.openxmlformats.org/markup-compatibility/2006">
               <mc:Choice xmlns:v="urn:schemas-microsoft-com:vml" Requires="v">
-                <p:oleObj name="Equation" r:id="rId4" imgW="2768400" imgH="838080" progId="Equation.DSMT4">
+                <p:oleObj spid="_x0000_s4101" name="Equation" r:id="rId5" imgW="2768400" imgH="838080" progId="Equation.DSMT4">
                   <p:embed/>
                 </p:oleObj>
               </mc:Choice>
               <mc:Fallback>
-                <p:oleObj name="Equation" r:id="rId4" imgW="2768400" imgH="838080" progId="Equation.DSMT4">
+                <p:oleObj name="Equation" r:id="rId5" imgW="2768400" imgH="838080" progId="Equation.DSMT4">
                   <p:embed/>
                   <p:pic>
                     <p:nvPicPr>
@@ -9535,7 +9536,7 @@
                       <p:nvPr/>
                     </p:nvPicPr>
                     <p:blipFill>
-                      <a:blip r:embed="rId5"/>
+                      <a:blip r:embed="rId6"/>
                       <a:stretch>
                         <a:fillRect/>
                       </a:stretch>
@@ -10720,6 +10721,196 @@
 </p:sld>
 </file>
 
+<file path=ppt/slides/slide20.xml><?xml version="1.0" encoding="utf-8"?>
+<p:sld xmlns:a="http://schemas.openxmlformats.org/drawingml/2006/main" xmlns:r="http://schemas.openxmlformats.org/officeDocument/2006/relationships" xmlns:p="http://schemas.openxmlformats.org/presentationml/2006/main">
+  <p:cSld>
+    <p:spTree>
+      <p:nvGrpSpPr>
+        <p:cNvPr id="1" name=""/>
+        <p:cNvGrpSpPr/>
+        <p:nvPr/>
+      </p:nvGrpSpPr>
+      <p:grpSpPr>
+        <a:xfrm>
+          <a:off x="0" y="0"/>
+          <a:ext cx="0" cy="0"/>
+          <a:chOff x="0" y="0"/>
+          <a:chExt cx="0" cy="0"/>
+        </a:xfrm>
+      </p:grpSpPr>
+      <p:sp>
+        <p:nvSpPr>
+          <p:cNvPr id="2" name="Title 1">
+            <a:extLst>
+              <a:ext uri="{FF2B5EF4-FFF2-40B4-BE49-F238E27FC236}">
+                <a16:creationId xmlns:a16="http://schemas.microsoft.com/office/drawing/2014/main" id="{E961B178-0C81-4BA3-A2D8-7417467A12AE}"/>
+              </a:ext>
+            </a:extLst>
+          </p:cNvPr>
+          <p:cNvSpPr>
+            <a:spLocks noGrp="1"/>
+          </p:cNvSpPr>
+          <p:nvPr>
+            <p:ph type="title"/>
+          </p:nvPr>
+        </p:nvSpPr>
+        <p:spPr>
+          <a:solidFill>
+            <a:schemeClr val="accent2">
+              <a:lumMod val="60000"/>
+              <a:lumOff val="40000"/>
+            </a:schemeClr>
+          </a:solidFill>
+        </p:spPr>
+        <p:txBody>
+          <a:bodyPr/>
+          <a:lstStyle/>
+          <a:p>
+            <a:r>
+              <a:rPr lang="en-US"/>
+              <a:t>Notes</a:t>
+            </a:r>
+          </a:p>
+        </p:txBody>
+      </p:sp>
+      <p:sp>
+        <p:nvSpPr>
+          <p:cNvPr id="3" name="Content Placeholder 2">
+            <a:extLst>
+              <a:ext uri="{FF2B5EF4-FFF2-40B4-BE49-F238E27FC236}">
+                <a16:creationId xmlns:a16="http://schemas.microsoft.com/office/drawing/2014/main" id="{75229DD1-0620-48ED-A44A-7B92C8300179}"/>
+              </a:ext>
+            </a:extLst>
+          </p:cNvPr>
+          <p:cNvSpPr>
+            <a:spLocks noGrp="1"/>
+          </p:cNvSpPr>
+          <p:nvPr>
+            <p:ph idx="1"/>
+          </p:nvPr>
+        </p:nvSpPr>
+        <p:spPr>
+          <a:xfrm>
+            <a:off x="838200" y="1917903"/>
+            <a:ext cx="8028963" cy="4351338"/>
+          </a:xfrm>
+        </p:spPr>
+        <p:txBody>
+          <a:bodyPr/>
+          <a:lstStyle/>
+          <a:p>
+            <a:r>
+              <a:rPr lang="en-US"/>
+              <a:t>There are specialized algorithms for the transportation model. </a:t>
+            </a:r>
+          </a:p>
+          <a:p>
+            <a:pPr lvl="2"/>
+            <a:r>
+              <a:rPr lang="en-US" b="0" i="0">
+                <a:solidFill>
+                  <a:srgbClr val="222222"/>
+                </a:solidFill>
+                <a:effectLst/>
+                <a:latin typeface="Arial" panose="020B0604020202020204" pitchFamily="34" charset="0"/>
+              </a:rPr>
+              <a:t>E.g.: Bertsekas, Dimitri P., and David A. Castanon. "The auction algorithm for the transportation problem." </a:t>
+            </a:r>
+            <a:r>
+              <a:rPr lang="en-US" b="0" i="1">
+                <a:solidFill>
+                  <a:srgbClr val="222222"/>
+                </a:solidFill>
+                <a:effectLst/>
+                <a:latin typeface="Arial" panose="020B0604020202020204" pitchFamily="34" charset="0"/>
+              </a:rPr>
+              <a:t>Annals of Operations Research</a:t>
+            </a:r>
+            <a:r>
+              <a:rPr lang="en-US" b="0" i="0">
+                <a:solidFill>
+                  <a:srgbClr val="222222"/>
+                </a:solidFill>
+                <a:effectLst/>
+                <a:latin typeface="Arial" panose="020B0604020202020204" pitchFamily="34" charset="0"/>
+              </a:rPr>
+              <a:t> 20.1 (1989): 67-96.</a:t>
+            </a:r>
+          </a:p>
+          <a:p>
+            <a:r>
+              <a:rPr lang="en-US">
+                <a:solidFill>
+                  <a:srgbClr val="222222"/>
+                </a:solidFill>
+                <a:latin typeface="Arial" panose="020B0604020202020204" pitchFamily="34" charset="0"/>
+              </a:rPr>
+              <a:t>A more general version of this model is known as “optimal transport”. Highly mathematical. Our transportation model is a special discrete case (but often used to solve these models).</a:t>
+            </a:r>
+            <a:endParaRPr lang="en-US"/>
+          </a:p>
+        </p:txBody>
+      </p:sp>
+      <p:pic>
+        <p:nvPicPr>
+          <p:cNvPr id="5122" name="Picture 2" descr="Optimal Transport Methods in Economics">
+            <a:extLst>
+              <a:ext uri="{FF2B5EF4-FFF2-40B4-BE49-F238E27FC236}">
+                <a16:creationId xmlns:a16="http://schemas.microsoft.com/office/drawing/2014/main" id="{B5486B6D-36B2-4D6B-B599-94C9A09B0D2C}"/>
+              </a:ext>
+            </a:extLst>
+          </p:cNvPr>
+          <p:cNvPicPr>
+            <a:picLocks noChangeAspect="1" noChangeArrowheads="1"/>
+          </p:cNvPicPr>
+          <p:nvPr/>
+        </p:nvPicPr>
+        <p:blipFill>
+          <a:blip r:embed="rId2">
+            <a:extLst>
+              <a:ext uri="{28A0092B-C50C-407E-A947-70E740481C1C}">
+                <a14:useLocalDpi xmlns:a14="http://schemas.microsoft.com/office/drawing/2010/main" val="0"/>
+              </a:ext>
+            </a:extLst>
+          </a:blip>
+          <a:srcRect/>
+          <a:stretch>
+            <a:fillRect/>
+          </a:stretch>
+        </p:blipFill>
+        <p:spPr bwMode="auto">
+          <a:xfrm>
+            <a:off x="9815120" y="3187538"/>
+            <a:ext cx="1882629" cy="2870021"/>
+          </a:xfrm>
+          <a:prstGeom prst="rect">
+            <a:avLst/>
+          </a:prstGeom>
+          <a:noFill/>
+          <a:extLst>
+            <a:ext uri="{909E8E84-426E-40DD-AFC4-6F175D3DCCD1}">
+              <a14:hiddenFill xmlns:a14="http://schemas.microsoft.com/office/drawing/2010/main">
+                <a:solidFill>
+                  <a:srgbClr val="FFFFFF"/>
+                </a:solidFill>
+              </a14:hiddenFill>
+            </a:ext>
+          </a:extLst>
+        </p:spPr>
+      </p:pic>
+    </p:spTree>
+    <p:extLst>
+      <p:ext uri="{BB962C8B-B14F-4D97-AF65-F5344CB8AC3E}">
+        <p14:creationId xmlns:p14="http://schemas.microsoft.com/office/powerpoint/2010/main" val="3696465715"/>
+      </p:ext>
+    </p:extLst>
+  </p:cSld>
+  <p:clrMapOvr>
+    <a:masterClrMapping/>
+  </p:clrMapOvr>
+</p:sld>
+</file>
+
 <file path=ppt/slides/slide3.xml><?xml version="1.0" encoding="utf-8"?>
 <p:sld xmlns:a="http://schemas.openxmlformats.org/drawingml/2006/main" xmlns:r="http://schemas.openxmlformats.org/officeDocument/2006/relationships" xmlns:p="http://schemas.openxmlformats.org/presentationml/2006/main">
   <p:cSld>
@@ -10949,12 +11140,12 @@
           <a:graphicData uri="http://schemas.openxmlformats.org/presentationml/2006/ole">
             <mc:AlternateContent xmlns:mc="http://schemas.openxmlformats.org/markup-compatibility/2006">
               <mc:Choice xmlns:v="urn:schemas-microsoft-com:vml" Requires="v">
-                <p:oleObj name="Equation" r:id="rId2" imgW="3957807" imgH="2842309" progId="Equation.DSMT4">
+                <p:oleObj spid="_x0000_s1027" name="Equation" r:id="rId3" imgW="3957807" imgH="2842309" progId="Equation.DSMT4">
                   <p:embed/>
                 </p:oleObj>
               </mc:Choice>
               <mc:Fallback>
-                <p:oleObj name="Equation" r:id="rId2" imgW="3957807" imgH="2842309" progId="Equation.DSMT4">
+                <p:oleObj name="Equation" r:id="rId3" imgW="3957807" imgH="2842309" progId="Equation.DSMT4">
                   <p:embed/>
                   <p:pic>
                     <p:nvPicPr>
@@ -10969,7 +11160,7 @@
                       <p:nvPr/>
                     </p:nvPicPr>
                     <p:blipFill>
-                      <a:blip r:embed="rId3"/>
+                      <a:blip r:embed="rId4"/>
                       <a:stretch>
                         <a:fillRect/>
                       </a:stretch>
@@ -11010,7 +11201,7 @@
           <p:nvPr/>
         </p:nvPicPr>
         <p:blipFill>
-          <a:blip r:embed="rId4"/>
+          <a:blip r:embed="rId5"/>
           <a:stretch>
             <a:fillRect/>
           </a:stretch>
@@ -11126,6 +11317,41 @@
             <a:r>
               <a:rPr lang="en-US"/>
               <a:t>Network problems have the property that each variable occurs exactly twice in the constraint matrix.</a:t>
+            </a:r>
+          </a:p>
+        </p:txBody>
+      </p:sp>
+      <p:sp>
+        <p:nvSpPr>
+          <p:cNvPr id="8" name="TextBox 7">
+            <a:extLst>
+              <a:ext uri="{FF2B5EF4-FFF2-40B4-BE49-F238E27FC236}">
+                <a16:creationId xmlns:a16="http://schemas.microsoft.com/office/drawing/2014/main" id="{21C52B72-1272-4A49-890E-1606A76B9AC5}"/>
+              </a:ext>
+            </a:extLst>
+          </p:cNvPr>
+          <p:cNvSpPr txBox="1"/>
+          <p:nvPr/>
+        </p:nvSpPr>
+        <p:spPr>
+          <a:xfrm>
+            <a:off x="677701" y="1958757"/>
+            <a:ext cx="1623330" cy="369332"/>
+          </a:xfrm>
+          <a:prstGeom prst="rect">
+            <a:avLst/>
+          </a:prstGeom>
+          <a:noFill/>
+        </p:spPr>
+        <p:txBody>
+          <a:bodyPr wrap="none" rtlCol="0">
+            <a:spAutoFit/>
+          </a:bodyPr>
+          <a:lstStyle/>
+          <a:p>
+            <a:r>
+              <a:rPr lang="en-US"/>
+              <a:t>Bipartite Graph</a:t>
             </a:r>
           </a:p>
         </p:txBody>
@@ -14690,12 +14916,12 @@
           <a:graphicData uri="http://schemas.openxmlformats.org/presentationml/2006/ole">
             <mc:AlternateContent xmlns:mc="http://schemas.openxmlformats.org/markup-compatibility/2006">
               <mc:Choice xmlns:v="urn:schemas-microsoft-com:vml" Requires="v">
-                <p:oleObj name="Equation" r:id="rId2" imgW="850680" imgH="228600" progId="Equation.DSMT4">
+                <p:oleObj spid="_x0000_s2051" name="Equation" r:id="rId3" imgW="850680" imgH="228600" progId="Equation.DSMT4">
                   <p:embed/>
                 </p:oleObj>
               </mc:Choice>
               <mc:Fallback>
-                <p:oleObj name="Equation" r:id="rId2" imgW="850680" imgH="228600" progId="Equation.DSMT4">
+                <p:oleObj name="Equation" r:id="rId3" imgW="850680" imgH="228600" progId="Equation.DSMT4">
                   <p:embed/>
                   <p:pic>
                     <p:nvPicPr>
@@ -14710,7 +14936,7 @@
                       <p:nvPr/>
                     </p:nvPicPr>
                     <p:blipFill>
-                      <a:blip r:embed="rId3"/>
+                      <a:blip r:embed="rId4"/>
                       <a:stretch>
                         <a:fillRect/>
                       </a:stretch>
